--- a/2023 весна/лекции/лекция 12 нов.pptx
+++ b/2023 весна/лекции/лекция 12 нов.pptx
@@ -361,7 +361,7 @@
           <a:p>
             <a:fld id="{F6AC2008-05F8-45B1-A816-9CBD1C15D35E}" type="datetimeFigureOut">
               <a:rPr lang="ru-RU" smtClean="0"/>
-              <a:t>06.12.2021</a:t>
+              <a:t>15.05.2023</a:t>
             </a:fld>
             <a:endParaRPr lang="ru-RU"/>
           </a:p>
@@ -1019,6 +1019,90 @@
             <a:spLocks noGrp="1"/>
           </p:cNvSpPr>
           <p:nvPr>
+            <p:ph type="sldNum" sz="quarter" idx="5"/>
+          </p:nvPr>
+        </p:nvSpPr>
+        <p:spPr/>
+        <p:txBody>
+          <a:bodyPr/>
+          <a:lstStyle/>
+          <a:p>
+            <a:fld id="{28D23E28-BACD-4714-B451-5726E864FBB0}" type="slidenum">
+              <a:rPr lang="ru-RU" smtClean="0"/>
+              <a:t>62</a:t>
+            </a:fld>
+            <a:endParaRPr lang="ru-RU"/>
+          </a:p>
+        </p:txBody>
+      </p:sp>
+    </p:spTree>
+    <p:extLst>
+      <p:ext uri="{BB962C8B-B14F-4D97-AF65-F5344CB8AC3E}">
+        <p14:creationId xmlns:p14="http://schemas.microsoft.com/office/powerpoint/2010/main" val="14725677"/>
+      </p:ext>
+    </p:extLst>
+  </p:cSld>
+  <p:clrMapOvr>
+    <a:masterClrMapping/>
+  </p:clrMapOvr>
+</p:notes>
+</file>
+
+<file path=ppt/notesSlides/notesSlide14.xml><?xml version="1.0" encoding="utf-8"?>
+<p:notes xmlns:a="http://schemas.openxmlformats.org/drawingml/2006/main" xmlns:r="http://schemas.openxmlformats.org/officeDocument/2006/relationships" xmlns:p="http://schemas.openxmlformats.org/presentationml/2006/main">
+  <p:cSld>
+    <p:spTree>
+      <p:nvGrpSpPr>
+        <p:cNvPr id="1" name=""/>
+        <p:cNvGrpSpPr/>
+        <p:nvPr/>
+      </p:nvGrpSpPr>
+      <p:grpSpPr>
+        <a:xfrm>
+          <a:off x="0" y="0"/>
+          <a:ext cx="0" cy="0"/>
+          <a:chOff x="0" y="0"/>
+          <a:chExt cx="0" cy="0"/>
+        </a:xfrm>
+      </p:grpSpPr>
+      <p:sp>
+        <p:nvSpPr>
+          <p:cNvPr id="2" name="Образ слайда 1"/>
+          <p:cNvSpPr>
+            <a:spLocks noGrp="1" noRot="1" noChangeAspect="1"/>
+          </p:cNvSpPr>
+          <p:nvPr>
+            <p:ph type="sldImg"/>
+          </p:nvPr>
+        </p:nvSpPr>
+        <p:spPr/>
+      </p:sp>
+      <p:sp>
+        <p:nvSpPr>
+          <p:cNvPr id="3" name="Заметки 2"/>
+          <p:cNvSpPr>
+            <a:spLocks noGrp="1"/>
+          </p:cNvSpPr>
+          <p:nvPr>
+            <p:ph type="body" idx="1"/>
+          </p:nvPr>
+        </p:nvSpPr>
+        <p:spPr/>
+        <p:txBody>
+          <a:bodyPr/>
+          <a:lstStyle/>
+          <a:p>
+            <a:endParaRPr lang="ru-RU" dirty="0"/>
+          </a:p>
+        </p:txBody>
+      </p:sp>
+      <p:sp>
+        <p:nvSpPr>
+          <p:cNvPr id="4" name="Номер слайда 3"/>
+          <p:cNvSpPr>
+            <a:spLocks noGrp="1"/>
+          </p:cNvSpPr>
+          <p:nvPr>
             <p:ph type="sldNum" sz="quarter" idx="10"/>
           </p:nvPr>
         </p:nvSpPr>
@@ -1899,7 +1983,7 @@
           <a:p>
             <a:fld id="{A193646C-F49A-4670-8098-81142323192A}" type="datetimeFigureOut">
               <a:rPr lang="ru-RU" smtClean="0"/>
-              <a:t>06.12.2021</a:t>
+              <a:t>15.05.2023</a:t>
             </a:fld>
             <a:endParaRPr lang="ru-RU"/>
           </a:p>
@@ -2067,7 +2151,7 @@
           <a:p>
             <a:fld id="{A193646C-F49A-4670-8098-81142323192A}" type="datetimeFigureOut">
               <a:rPr lang="ru-RU" smtClean="0"/>
-              <a:t>06.12.2021</a:t>
+              <a:t>15.05.2023</a:t>
             </a:fld>
             <a:endParaRPr lang="ru-RU"/>
           </a:p>
@@ -2245,7 +2329,7 @@
           <a:p>
             <a:fld id="{A193646C-F49A-4670-8098-81142323192A}" type="datetimeFigureOut">
               <a:rPr lang="ru-RU" smtClean="0"/>
-              <a:t>06.12.2021</a:t>
+              <a:t>15.05.2023</a:t>
             </a:fld>
             <a:endParaRPr lang="ru-RU"/>
           </a:p>
@@ -2413,7 +2497,7 @@
           <a:p>
             <a:fld id="{A193646C-F49A-4670-8098-81142323192A}" type="datetimeFigureOut">
               <a:rPr lang="ru-RU" smtClean="0"/>
-              <a:t>06.12.2021</a:t>
+              <a:t>15.05.2023</a:t>
             </a:fld>
             <a:endParaRPr lang="ru-RU"/>
           </a:p>
@@ -2658,7 +2742,7 @@
           <a:p>
             <a:fld id="{A193646C-F49A-4670-8098-81142323192A}" type="datetimeFigureOut">
               <a:rPr lang="ru-RU" smtClean="0"/>
-              <a:t>06.12.2021</a:t>
+              <a:t>15.05.2023</a:t>
             </a:fld>
             <a:endParaRPr lang="ru-RU"/>
           </a:p>
@@ -2943,7 +3027,7 @@
           <a:p>
             <a:fld id="{A193646C-F49A-4670-8098-81142323192A}" type="datetimeFigureOut">
               <a:rPr lang="ru-RU" smtClean="0"/>
-              <a:t>06.12.2021</a:t>
+              <a:t>15.05.2023</a:t>
             </a:fld>
             <a:endParaRPr lang="ru-RU"/>
           </a:p>
@@ -3362,7 +3446,7 @@
           <a:p>
             <a:fld id="{A193646C-F49A-4670-8098-81142323192A}" type="datetimeFigureOut">
               <a:rPr lang="ru-RU" smtClean="0"/>
-              <a:t>06.12.2021</a:t>
+              <a:t>15.05.2023</a:t>
             </a:fld>
             <a:endParaRPr lang="ru-RU"/>
           </a:p>
@@ -3479,7 +3563,7 @@
           <a:p>
             <a:fld id="{A193646C-F49A-4670-8098-81142323192A}" type="datetimeFigureOut">
               <a:rPr lang="ru-RU" smtClean="0"/>
-              <a:t>06.12.2021</a:t>
+              <a:t>15.05.2023</a:t>
             </a:fld>
             <a:endParaRPr lang="ru-RU"/>
           </a:p>
@@ -3574,7 +3658,7 @@
           <a:p>
             <a:fld id="{A193646C-F49A-4670-8098-81142323192A}" type="datetimeFigureOut">
               <a:rPr lang="ru-RU" smtClean="0"/>
-              <a:t>06.12.2021</a:t>
+              <a:t>15.05.2023</a:t>
             </a:fld>
             <a:endParaRPr lang="ru-RU"/>
           </a:p>
@@ -3849,7 +3933,7 @@
           <a:p>
             <a:fld id="{A193646C-F49A-4670-8098-81142323192A}" type="datetimeFigureOut">
               <a:rPr lang="ru-RU" smtClean="0"/>
-              <a:t>06.12.2021</a:t>
+              <a:t>15.05.2023</a:t>
             </a:fld>
             <a:endParaRPr lang="ru-RU"/>
           </a:p>
@@ -4101,7 +4185,7 @@
           <a:p>
             <a:fld id="{A193646C-F49A-4670-8098-81142323192A}" type="datetimeFigureOut">
               <a:rPr lang="ru-RU" smtClean="0"/>
-              <a:t>06.12.2021</a:t>
+              <a:t>15.05.2023</a:t>
             </a:fld>
             <a:endParaRPr lang="ru-RU"/>
           </a:p>
@@ -4312,7 +4396,7 @@
           <a:p>
             <a:fld id="{A193646C-F49A-4670-8098-81142323192A}" type="datetimeFigureOut">
               <a:rPr lang="ru-RU" smtClean="0"/>
-              <a:t>06.12.2021</a:t>
+              <a:t>15.05.2023</a:t>
             </a:fld>
             <a:endParaRPr lang="ru-RU"/>
           </a:p>
@@ -5355,15 +5439,7 @@
             </a:pPr>
             <a:r>
               <a:rPr lang="ru-RU" sz="2200" b="1" u="sng" dirty="0"/>
-              <a:t>Сеть физически не </a:t>
-            </a:r>
-            <a:r>
-              <a:rPr lang="ru-RU" sz="2200" b="1" u="sng" dirty="0" smtClean="0"/>
-              <a:t>защищена </a:t>
-            </a:r>
-            <a:r>
-              <a:rPr lang="ru-RU" sz="2200" b="1" u="sng" dirty="0"/>
-              <a:t>(Безопасность)</a:t>
+              <a:t>Сеть физически не защищена (Безопасность)</a:t>
             </a:r>
             <a:r>
               <a:rPr lang="ru-RU" sz="2200" dirty="0"/>
@@ -5661,10 +5737,6 @@
             <a:r>
               <a:rPr lang="en-US" sz="3600" b="1" dirty="0"/>
               <a:t>. </a:t>
-            </a:r>
-            <a:r>
-              <a:rPr lang="ru-RU" sz="3600" b="1" dirty="0"/>
-              <a:t/>
             </a:r>
             <a:br>
               <a:rPr lang="ru-RU" sz="3600" b="1" dirty="0"/>
@@ -6713,13 +6785,8 @@
             </a:pPr>
             <a:r>
               <a:rPr lang="ru-RU" sz="2200" dirty="0"/>
-              <a:t>Максимально допустимо 16 </a:t>
-            </a:r>
-            <a:r>
-              <a:rPr lang="ru-RU" sz="2200" dirty="0" smtClean="0"/>
-              <a:t>попыток с увеличением времени, потом попытки без увеличения времени.</a:t>
-            </a:r>
-            <a:endParaRPr lang="ru-RU" sz="2200" dirty="0"/>
+              <a:t>Максимально допустимо 16 попыток с увеличением времени, потом попытки без увеличения времени.</a:t>
+            </a:r>
           </a:p>
           <a:p>
             <a:pPr>
@@ -7547,7 +7614,15 @@
             </a:r>
             <a:r>
               <a:rPr lang="ru-RU" sz="2200" dirty="0" err="1"/>
-              <a:t>перемеживание</a:t>
+              <a:t>переме</a:t>
+            </a:r>
+            <a:r>
+              <a:rPr lang="en-US" sz="2200" dirty="0" err="1"/>
+              <a:t>ш</a:t>
+            </a:r>
+            <a:r>
+              <a:rPr lang="ru-RU" sz="2200" dirty="0" err="1"/>
+              <a:t>ивание</a:t>
             </a:r>
             <a:r>
               <a:rPr lang="ru-RU" sz="2200" dirty="0"/>
@@ -7881,14 +7956,14 @@
             </a:r>
           </a:p>
           <a:p>
-            <a:pPr marL="742950" lvl="2" indent="-342900">
+            <a:pPr>
               <a:spcBef>
                 <a:spcPts val="1200"/>
               </a:spcBef>
             </a:pPr>
             <a:r>
               <a:rPr lang="ru-RU" sz="2200" dirty="0"/>
-              <a:t>Используются коды </a:t>
+              <a:t>Также Используются коды </a:t>
             </a:r>
             <a:r>
               <a:rPr lang="ru-RU" sz="2200" dirty="0" err="1"/>
@@ -7904,7 +7979,7 @@
             </a:r>
             <a:r>
               <a:rPr lang="ru-RU" sz="2200" dirty="0"/>
-              <a:t> коды</a:t>
+              <a:t> коды, которыми можно создавать чипы для каждого бита</a:t>
             </a:r>
             <a:endParaRPr lang="en-US" sz="2200" dirty="0"/>
           </a:p>
@@ -8154,15 +8229,7 @@
             </a:r>
             <a:r>
               <a:rPr lang="ru-RU" sz="2000" i="1" u="sng" dirty="0"/>
-              <a:t>На </a:t>
-            </a:r>
-            <a:r>
-              <a:rPr lang="ru-RU" sz="2000" i="1" u="sng" dirty="0" smtClean="0"/>
-              <a:t>отправку </a:t>
-            </a:r>
-            <a:r>
-              <a:rPr lang="ru-RU" sz="2000" i="1" u="sng" dirty="0"/>
-              <a:t>подтверждения дается определённое время, пакет автоматически отправляется заново.</a:t>
+              <a:t>На отправку подтверждения дается определённое время, пакет автоматически отправляется заново.</a:t>
             </a:r>
           </a:p>
           <a:p>
@@ -8211,13 +8278,8 @@
             </a:r>
             <a:r>
               <a:rPr lang="ru-RU" sz="2000" u="sng" dirty="0"/>
-              <a:t>– отправляется несколько пакетов  - по ним берется средние. </a:t>
-            </a:r>
-            <a:r>
-              <a:rPr lang="ru-RU" sz="2000" u="sng" dirty="0" smtClean="0"/>
-              <a:t>(переотправка в двойной экспоненциальной выдержке) – доп. Метод разрешения коллизий. </a:t>
-            </a:r>
-            <a:endParaRPr lang="ru-RU" sz="2000" u="sng" dirty="0"/>
+              <a:t>– отправляется несколько пакетов  - по ним берется средние. (переотправка в двойной экспоненциальной выдержке) – доп. Метод разрешения коллизий. </a:t>
+            </a:r>
           </a:p>
           <a:p>
             <a:pPr lvl="3">
@@ -8396,8 +8458,8 @@
         </p:nvSpPr>
         <p:spPr>
           <a:xfrm>
-            <a:off x="107504" y="1196752"/>
-            <a:ext cx="8712968" cy="5400599"/>
+            <a:off x="215516" y="1052736"/>
+            <a:ext cx="8712968" cy="5688632"/>
           </a:xfrm>
         </p:spPr>
         <p:txBody>
@@ -9512,10 +9574,6 @@
             <a:r>
               <a:rPr lang="ru-RU" sz="2200" dirty="0"/>
               <a:t>Описываются стандартами </a:t>
-            </a:r>
-            <a:r>
-              <a:rPr lang="en-US" sz="2200" dirty="0"/>
-              <a:t/>
             </a:r>
             <a:br>
               <a:rPr lang="en-US" sz="2200" dirty="0"/>
@@ -11052,7 +11110,6 @@
               </p:cNvGraphicFramePr>
               <p:nvPr>
                 <p:ph idx="1"/>
-                <p:extLst/>
               </p:nvPr>
             </p:nvGraphicFramePr>
             <p:xfrm>
@@ -19996,9 +20053,7 @@
               <p:cNvGraphicFramePr>
                 <a:graphicFrameLocks noGrp="1"/>
               </p:cNvGraphicFramePr>
-              <p:nvPr>
-                <p:extLst/>
-              </p:nvPr>
+              <p:nvPr/>
             </p:nvGraphicFramePr>
             <p:xfrm>
               <a:off x="364834" y="1268760"/>
@@ -21123,9 +21178,7 @@
               <p:cNvGraphicFramePr>
                 <a:graphicFrameLocks noGrp="1"/>
               </p:cNvGraphicFramePr>
-              <p:nvPr>
-                <p:extLst/>
-              </p:nvPr>
+              <p:nvPr/>
             </p:nvGraphicFramePr>
             <p:xfrm>
               <a:off x="364834" y="3068960"/>
@@ -21392,7 +21445,7 @@
                         <a:p>
                           <a:pPr algn="ctr"/>
                           <a:r>
-                            <a:rPr lang="ru-RU"/>
+                            <a:rPr lang="ru-RU" dirty="0"/>
                             <a:t>10</a:t>
                           </a:r>
                         </a:p>
@@ -21693,9 +21746,7 @@
               <p:cNvGraphicFramePr>
                 <a:graphicFrameLocks noGrp="1"/>
               </p:cNvGraphicFramePr>
-              <p:nvPr>
-                <p:extLst/>
-              </p:nvPr>
+              <p:nvPr/>
             </p:nvGraphicFramePr>
             <p:xfrm>
               <a:off x="364834" y="1268760"/>
@@ -22946,10 +22997,9 @@
               <a:t>PBCC </a:t>
             </a:r>
             <a:r>
-              <a:rPr lang="ru-RU" sz="3200" b="1" dirty="0" smtClean="0"/>
+              <a:rPr lang="ru-RU" sz="3200" b="1" dirty="0"/>
               <a:t>(прямая коррекция ошибок)</a:t>
             </a:r>
-            <a:endParaRPr lang="ru-RU" sz="3200" b="1" dirty="0"/>
           </a:p>
         </p:txBody>
       </p:sp>
@@ -30024,14 +30074,13 @@
               <a:t> сигналов (</a:t>
             </a:r>
             <a:r>
-              <a:rPr lang="ru-RU" sz="2000" b="1" dirty="0" smtClean="0"/>
+              <a:rPr lang="ru-RU" sz="2000" b="1" dirty="0"/>
               <a:t>Цифровая (дискретная) модуляция, манипуляция сигналом</a:t>
             </a:r>
             <a:r>
-              <a:rPr lang="ru-RU" sz="2000" dirty="0" smtClean="0"/>
+              <a:rPr lang="ru-RU" sz="2000" dirty="0"/>
               <a:t>)</a:t>
             </a:r>
-            <a:endParaRPr lang="ru-RU" sz="2000" dirty="0"/>
           </a:p>
           <a:p>
             <a:pPr marL="361950" lvl="1" indent="-342900">
@@ -30085,19 +30134,11 @@
             </a:r>
             <a:r>
               <a:rPr lang="ru-RU" sz="2000" b="1" dirty="0"/>
-              <a:t>Амплитудная </a:t>
-            </a:r>
-            <a:r>
-              <a:rPr lang="ru-RU" sz="2000" b="1" dirty="0"/>
-              <a:t>манипуляция</a:t>
-            </a:r>
-            <a:r>
-              <a:rPr lang="en-US" sz="2000" b="1" dirty="0" smtClean="0"/>
-              <a:t> </a:t>
+              <a:t>Амплитудная манипуляция</a:t>
             </a:r>
             <a:r>
               <a:rPr lang="en-US" sz="2000" b="1" dirty="0"/>
-              <a:t>(ASK)</a:t>
+              <a:t> (ASK)</a:t>
             </a:r>
             <a:endParaRPr lang="ru-RU" sz="2000" b="1" dirty="0"/>
           </a:p>
@@ -30113,11 +30154,7 @@
             <a:pPr marL="180975" lvl="2" indent="-161925"/>
             <a:r>
               <a:rPr lang="ru-RU" sz="2000" b="1" dirty="0"/>
-              <a:t>  Амплитудно-фазовая </a:t>
-            </a:r>
-            <a:r>
-              <a:rPr lang="ru-RU" sz="2000" b="1" dirty="0"/>
-              <a:t>манипуляция </a:t>
+              <a:t>  Амплитудно-фазовая манипуляция </a:t>
             </a:r>
             <a:r>
               <a:rPr lang="en-US" sz="2000" b="1" dirty="0"/>
@@ -30498,18 +30535,13 @@
           <a:p>
             <a:r>
               <a:rPr lang="ru-RU" sz="3600" b="1" dirty="0"/>
-              <a:t>Фазовая </a:t>
-            </a:r>
-            <a:r>
-              <a:rPr lang="ru-RU" sz="3600" b="1" dirty="0"/>
-              <a:t>манипуляция</a:t>
-            </a:r>
-            <a:endParaRPr lang="ru-RU" sz="3600" b="1" dirty="0"/>
+              <a:t>Фазовая манипуляция</a:t>
+            </a:r>
           </a:p>
         </p:txBody>
       </p:sp>
-      <mc:AlternateContent xmlns:mc="http://schemas.openxmlformats.org/markup-compatibility/2006">
-        <mc:Choice xmlns:a14="http://schemas.microsoft.com/office/drawing/2010/main" Requires="a14">
+      <mc:AlternateContent xmlns:mc="http://schemas.openxmlformats.org/markup-compatibility/2006" xmlns:a14="http://schemas.microsoft.com/office/drawing/2010/main">
+        <mc:Choice Requires="a14">
           <p:sp>
             <p:nvSpPr>
               <p:cNvPr id="3" name="Объект 2"/>
@@ -30534,11 +30566,7 @@
               <a:p>
                 <a:r>
                   <a:rPr lang="ru-RU" sz="2000" b="1" dirty="0"/>
-                  <a:t>Двоичная фазовая </a:t>
-                </a:r>
-                <a:r>
-                  <a:rPr lang="ru-RU" sz="2000" b="1" dirty="0"/>
-                  <a:t>манипуляция </a:t>
+                  <a:t>Двоичная фазовая манипуляция </a:t>
                 </a:r>
                 <a:r>
                   <a:rPr lang="ru-RU" sz="2000" dirty="0"/>
@@ -30742,7 +30770,7 @@
             </p:txBody>
           </p:sp>
         </mc:Choice>
-        <mc:Fallback>
+        <mc:Fallback xmlns="">
           <p:sp>
             <p:nvSpPr>
               <p:cNvPr id="3" name="Объект 2"/>
@@ -31283,13 +31311,8 @@
           <a:p>
             <a:r>
               <a:rPr lang="ru-RU" sz="3600" b="1" dirty="0"/>
-              <a:t>Амплитудно-фазовая </a:t>
-            </a:r>
-            <a:r>
-              <a:rPr lang="ru-RU" sz="3600" b="1" dirty="0"/>
-              <a:t>манипуляция</a:t>
-            </a:r>
-            <a:endParaRPr lang="ru-RU" sz="3600" b="1" dirty="0"/>
+              <a:t>Амплитудно-фазовая манипуляция</a:t>
+            </a:r>
           </a:p>
         </p:txBody>
       </p:sp>
@@ -31764,14 +31787,13 @@
               <a:t>Основной стандарт </a:t>
             </a:r>
             <a:r>
-              <a:rPr lang="en-US" sz="2600" dirty="0" smtClean="0"/>
+              <a:rPr lang="en-US" sz="2600" dirty="0"/>
               <a:t>IEEE </a:t>
             </a:r>
             <a:r>
-              <a:rPr lang="ru-RU" sz="2600" dirty="0" smtClean="0"/>
+              <a:rPr lang="ru-RU" sz="2600" dirty="0"/>
               <a:t>802.11</a:t>
             </a:r>
-            <a:endParaRPr lang="ru-RU" sz="2600" dirty="0"/>
           </a:p>
           <a:p>
             <a:endParaRPr lang="ru-RU" dirty="0"/>
@@ -32115,7 +32137,7 @@
         <p:spPr>
           <a:xfrm>
             <a:off x="3203848" y="5143078"/>
-            <a:ext cx="2411089" cy="1469082"/>
+            <a:ext cx="2664296" cy="1623362"/>
           </a:xfrm>
           <a:prstGeom prst="rect">
             <a:avLst/>
@@ -35676,7 +35698,7 @@
           <p:nvPr/>
         </p:nvPicPr>
         <p:blipFill>
-          <a:blip r:embed="rId2" cstate="print">
+          <a:blip r:embed="rId3" cstate="print">
             <a:extLst>
               <a:ext uri="{28A0092B-C50C-407E-A947-70E740481C1C}">
                 <a14:useLocalDpi xmlns:a14="http://schemas.microsoft.com/office/drawing/2010/main" val="0"/>
@@ -35883,7 +35905,7 @@
           <p:nvPr/>
         </p:nvPicPr>
         <p:blipFill>
-          <a:blip r:embed="rId3">
+          <a:blip r:embed="rId4">
             <a:extLst>
               <a:ext uri="{28A0092B-C50C-407E-A947-70E740481C1C}">
                 <a14:useLocalDpi xmlns:a14="http://schemas.microsoft.com/office/drawing/2010/main" val="0"/>
@@ -35937,7 +35959,7 @@
           <p:nvPr/>
         </p:nvPicPr>
         <p:blipFill>
-          <a:blip r:embed="rId4">
+          <a:blip r:embed="rId5">
             <a:extLst>
               <a:ext uri="{28A0092B-C50C-407E-A947-70E740481C1C}">
                 <a14:useLocalDpi xmlns:a14="http://schemas.microsoft.com/office/drawing/2010/main" val="0"/>
@@ -38153,10 +38175,6 @@
               <a:rPr lang="ru-RU" b="1" dirty="0" err="1"/>
               <a:t>передтчика</a:t>
             </a:r>
-            <a:r>
-              <a:rPr lang="en-US" b="1" dirty="0"/>
-              <a:t/>
-            </a:r>
             <a:br>
               <a:rPr lang="en-US" b="1" dirty="0"/>
             </a:br>
@@ -38233,10 +38251,6 @@
             <a:r>
               <a:rPr lang="ru-RU" b="1" dirty="0"/>
               <a:t>Структурная схема приемника </a:t>
-            </a:r>
-            <a:r>
-              <a:rPr lang="en-US" b="1" dirty="0"/>
-              <a:t/>
             </a:r>
             <a:br>
               <a:rPr lang="en-US" b="1" dirty="0"/>
@@ -38856,9 +38870,7 @@
           <p:cNvGraphicFramePr>
             <a:graphicFrameLocks noGrp="1"/>
           </p:cNvGraphicFramePr>
-          <p:nvPr>
-            <p:extLst/>
-          </p:nvPr>
+          <p:nvPr/>
         </p:nvGraphicFramePr>
         <p:xfrm>
           <a:off x="467544" y="1484784"/>
@@ -40868,10 +40880,6 @@
               <a:rPr lang="ru-RU" sz="3200" b="1" dirty="0"/>
               <a:t>Беспроводные сети </a:t>
             </a:r>
-            <a:r>
-              <a:rPr lang="en-US" sz="3200" b="1" dirty="0"/>
-              <a:t/>
-            </a:r>
             <a:br>
               <a:rPr lang="en-US" sz="3200" b="1" dirty="0"/>
             </a:br>
@@ -40958,20 +40966,6 @@
               <a:buNone/>
               <a:tabLst/>
             </a:pPr>
-            <a:r>
-              <a:rPr kumimoji="0" lang="ru-RU" altLang="ru-RU" sz="1800" b="0" i="0" u="none" strike="noStrike" cap="none" normalizeH="0" baseline="0">
-                <a:ln>
-                  <a:noFill/>
-                </a:ln>
-                <a:solidFill>
-                  <a:schemeClr val="tx1"/>
-                </a:solidFill>
-                <a:effectLst/>
-                <a:latin typeface="Arial" pitchFamily="34" charset="0"/>
-                <a:cs typeface="Arial" pitchFamily="34" charset="0"/>
-              </a:rPr>
-              <a:t/>
-            </a:r>
             <a:br>
               <a:rPr kumimoji="0" lang="ru-RU" altLang="ru-RU" sz="1800" b="0" i="0" u="none" strike="noStrike" cap="none" normalizeH="0" baseline="0">
                 <a:ln>
@@ -43649,12 +43643,6 @@
                         </a:rPr>
                         <a:t>1 Гбит/с (WMAN), </a:t>
                       </a:r>
-                      <a:r>
-                        <a:rPr lang="en-US" sz="2000" kern="1200" dirty="0">
-                          <a:effectLst/>
-                        </a:rPr>
-                        <a:t/>
-                      </a:r>
                       <a:br>
                         <a:rPr lang="en-US" sz="2000" kern="1200" dirty="0">
                           <a:effectLst/>
@@ -43665,12 +43653,6 @@
                           <a:effectLst/>
                         </a:rPr>
                         <a:t>100 Мбит/с </a:t>
-                      </a:r>
-                      <a:r>
-                        <a:rPr lang="en-US" sz="2000" kern="1200" dirty="0">
-                          <a:effectLst/>
-                        </a:rPr>
-                        <a:t/>
                       </a:r>
                       <a:br>
                         <a:rPr lang="en-US" sz="2000" kern="1200" dirty="0">
@@ -43974,20 +43956,6 @@
               <a:buNone/>
               <a:tabLst/>
             </a:pPr>
-            <a:r>
-              <a:rPr kumimoji="0" lang="ru-RU" altLang="ru-RU" sz="1800" b="0" i="0" u="none" strike="noStrike" cap="none" normalizeH="0" baseline="0">
-                <a:ln>
-                  <a:noFill/>
-                </a:ln>
-                <a:solidFill>
-                  <a:schemeClr val="tx1"/>
-                </a:solidFill>
-                <a:effectLst/>
-                <a:latin typeface="Arial" pitchFamily="34" charset="0"/>
-                <a:cs typeface="Arial" pitchFamily="34" charset="0"/>
-              </a:rPr>
-              <a:t/>
-            </a:r>
             <a:br>
               <a:rPr kumimoji="0" lang="ru-RU" altLang="ru-RU" sz="1800" b="0" i="0" u="none" strike="noStrike" cap="none" normalizeH="0" baseline="0">
                 <a:ln>
@@ -46725,4 +46693,147 @@
   <a:objectDefaults/>
   <a:extraClrSchemeLst/>
 </a:theme>
+</file>
+
+<file path=customXml/item1.xml><?xml version="1.0" encoding="utf-8"?>
+<ct:contentTypeSchema xmlns:ct="http://schemas.microsoft.com/office/2006/metadata/contentType" xmlns:ma="http://schemas.microsoft.com/office/2006/metadata/properties/metaAttributes" ct:_="" ma:_="" ma:contentTypeName="Document" ma:contentTypeID="0x010100FA1185EABF7B82428895A7DAFC3255FE" ma:contentTypeVersion="1" ma:contentTypeDescription="Create a new document." ma:contentTypeScope="" ma:versionID="901575f9ab565635f8fbf248753ca9ad">
+  <xsd:schema xmlns:xsd="http://www.w3.org/2001/XMLSchema" xmlns:xs="http://www.w3.org/2001/XMLSchema" xmlns:p="http://schemas.microsoft.com/office/2006/metadata/properties" xmlns:ns2="38e3576a-5839-4be2-ada0-ffa270e9fa35" targetNamespace="http://schemas.microsoft.com/office/2006/metadata/properties" ma:root="true" ma:fieldsID="c5a84ff38dd101ba4bcaefde46f1f988" ns2:_="">
+    <xsd:import namespace="38e3576a-5839-4be2-ada0-ffa270e9fa35"/>
+    <xsd:element name="properties">
+      <xsd:complexType>
+        <xsd:sequence>
+          <xsd:element name="documentManagement">
+            <xsd:complexType>
+              <xsd:all>
+                <xsd:element ref="ns2:ReferenceId" minOccurs="0"/>
+              </xsd:all>
+            </xsd:complexType>
+          </xsd:element>
+        </xsd:sequence>
+      </xsd:complexType>
+    </xsd:element>
+  </xsd:schema>
+  <xsd:schema xmlns:xsd="http://www.w3.org/2001/XMLSchema" xmlns:xs="http://www.w3.org/2001/XMLSchema" xmlns:dms="http://schemas.microsoft.com/office/2006/documentManagement/types" xmlns:pc="http://schemas.microsoft.com/office/infopath/2007/PartnerControls" targetNamespace="38e3576a-5839-4be2-ada0-ffa270e9fa35" elementFormDefault="qualified">
+    <xsd:import namespace="http://schemas.microsoft.com/office/2006/documentManagement/types"/>
+    <xsd:import namespace="http://schemas.microsoft.com/office/infopath/2007/PartnerControls"/>
+    <xsd:element name="ReferenceId" ma:index="8" nillable="true" ma:displayName="ReferenceId" ma:indexed="true" ma:internalName="ReferenceId">
+      <xsd:simpleType>
+        <xsd:restriction base="dms:Text"/>
+      </xsd:simpleType>
+    </xsd:element>
+  </xsd:schema>
+  <xsd:schema xmlns="http://schemas.openxmlformats.org/package/2006/metadata/core-properties" xmlns:xsd="http://www.w3.org/2001/XMLSchema" xmlns:xsi="http://www.w3.org/2001/XMLSchema-instance" xmlns:dc="http://purl.org/dc/elements/1.1/" xmlns:dcterms="http://purl.org/dc/terms/" xmlns:odoc="http://schemas.microsoft.com/internal/obd" targetNamespace="http://schemas.openxmlformats.org/package/2006/metadata/core-properties" elementFormDefault="qualified" attributeFormDefault="unqualified" blockDefault="#all">
+    <xsd:import namespace="http://purl.org/dc/elements/1.1/" schemaLocation="http://dublincore.org/schemas/xmls/qdc/2003/04/02/dc.xsd"/>
+    <xsd:import namespace="http://purl.org/dc/terms/" schemaLocation="http://dublincore.org/schemas/xmls/qdc/2003/04/02/dcterms.xsd"/>
+    <xsd:element name="coreProperties" type="CT_coreProperties"/>
+    <xsd:complexType name="CT_coreProperties">
+      <xsd:all>
+        <xsd:element ref="dc:creator" minOccurs="0" maxOccurs="1"/>
+        <xsd:element ref="dcterms:created" minOccurs="0" maxOccurs="1"/>
+        <xsd:element ref="dc:identifier" minOccurs="0" maxOccurs="1"/>
+        <xsd:element name="contentType" minOccurs="0" maxOccurs="1" type="xsd:string" ma:index="0" ma:displayName="Content Type"/>
+        <xsd:element ref="dc:title" minOccurs="0" maxOccurs="1" ma:index="4" ma:displayName="Title"/>
+        <xsd:element ref="dc:subject" minOccurs="0" maxOccurs="1"/>
+        <xsd:element ref="dc:description" minOccurs="0" maxOccurs="1"/>
+        <xsd:element name="keywords" minOccurs="0" maxOccurs="1" type="xsd:string"/>
+        <xsd:element ref="dc:language" minOccurs="0" maxOccurs="1"/>
+        <xsd:element name="category" minOccurs="0" maxOccurs="1" type="xsd:string"/>
+        <xsd:element name="version" minOccurs="0" maxOccurs="1" type="xsd:string"/>
+        <xsd:element name="revision" minOccurs="0" maxOccurs="1" type="xsd:string">
+          <xsd:annotation>
+            <xsd:documentation>
+                        This value indicates the number of saves or revisions. The application is responsible for updating this value after each revision.
+                    </xsd:documentation>
+          </xsd:annotation>
+        </xsd:element>
+        <xsd:element name="lastModifiedBy" minOccurs="0" maxOccurs="1" type="xsd:string"/>
+        <xsd:element ref="dcterms:modified" minOccurs="0" maxOccurs="1"/>
+        <xsd:element name="contentStatus" minOccurs="0" maxOccurs="1" type="xsd:string"/>
+      </xsd:all>
+    </xsd:complexType>
+  </xsd:schema>
+  <xs:schema xmlns:pc="http://schemas.microsoft.com/office/infopath/2007/PartnerControls" xmlns:xs="http://www.w3.org/2001/XMLSchema" targetNamespace="http://schemas.microsoft.com/office/infopath/2007/PartnerControls" elementFormDefault="qualified" attributeFormDefault="unqualified">
+    <xs:element name="Person">
+      <xs:complexType>
+        <xs:sequence>
+          <xs:element ref="pc:DisplayName" minOccurs="0"/>
+          <xs:element ref="pc:AccountId" minOccurs="0"/>
+          <xs:element ref="pc:AccountType" minOccurs="0"/>
+        </xs:sequence>
+      </xs:complexType>
+    </xs:element>
+    <xs:element name="DisplayName" type="xs:string"/>
+    <xs:element name="AccountId" type="xs:string"/>
+    <xs:element name="AccountType" type="xs:string"/>
+    <xs:element name="BDCAssociatedEntity">
+      <xs:complexType>
+        <xs:sequence>
+          <xs:element ref="pc:BDCEntity" minOccurs="0" maxOccurs="unbounded"/>
+        </xs:sequence>
+        <xs:attribute ref="pc:EntityNamespace"/>
+        <xs:attribute ref="pc:EntityName"/>
+        <xs:attribute ref="pc:SystemInstanceName"/>
+        <xs:attribute ref="pc:AssociationName"/>
+      </xs:complexType>
+    </xs:element>
+    <xs:attribute name="EntityNamespace" type="xs:string"/>
+    <xs:attribute name="EntityName" type="xs:string"/>
+    <xs:attribute name="SystemInstanceName" type="xs:string"/>
+    <xs:attribute name="AssociationName" type="xs:string"/>
+    <xs:element name="BDCEntity">
+      <xs:complexType>
+        <xs:sequence>
+          <xs:element ref="pc:EntityDisplayName" minOccurs="0"/>
+          <xs:element ref="pc:EntityInstanceReference" minOccurs="0"/>
+          <xs:element ref="pc:EntityId1" minOccurs="0"/>
+          <xs:element ref="pc:EntityId2" minOccurs="0"/>
+          <xs:element ref="pc:EntityId3" minOccurs="0"/>
+          <xs:element ref="pc:EntityId4" minOccurs="0"/>
+          <xs:element ref="pc:EntityId5" minOccurs="0"/>
+        </xs:sequence>
+      </xs:complexType>
+    </xs:element>
+    <xs:element name="EntityDisplayName" type="xs:string"/>
+    <xs:element name="EntityInstanceReference" type="xs:string"/>
+    <xs:element name="EntityId1" type="xs:string"/>
+    <xs:element name="EntityId2" type="xs:string"/>
+    <xs:element name="EntityId3" type="xs:string"/>
+    <xs:element name="EntityId4" type="xs:string"/>
+    <xs:element name="EntityId5" type="xs:string"/>
+    <xs:element name="Terms">
+      <xs:complexType>
+        <xs:sequence>
+          <xs:element ref="pc:TermInfo" minOccurs="0" maxOccurs="unbounded"/>
+        </xs:sequence>
+      </xs:complexType>
+    </xs:element>
+    <xs:element name="TermInfo">
+      <xs:complexType>
+        <xs:sequence>
+          <xs:element ref="pc:TermName" minOccurs="0"/>
+          <xs:element ref="pc:TermId" minOccurs="0"/>
+        </xs:sequence>
+      </xs:complexType>
+    </xs:element>
+    <xs:element name="TermName" type="xs:string"/>
+    <xs:element name="TermId" type="xs:string"/>
+  </xs:schema>
+</ct:contentTypeSchema>
+</file>
+
+<file path=customXml/item2.xml><?xml version="1.0" encoding="utf-8"?>
+<?mso-contentType ?>
+<FormTemplates xmlns="http://schemas.microsoft.com/sharepoint/v3/contenttype/forms">
+  <Display>DocumentLibraryForm</Display>
+  <Edit>DocumentLibraryForm</Edit>
+  <New>DocumentLibraryForm</New>
+</FormTemplates>
+</file>
+
+<file path=customXml/itemProps1.xml><?xml version="1.0" encoding="utf-8"?>
+<ds:datastoreItem xmlns:ds="http://schemas.openxmlformats.org/officeDocument/2006/customXml" ds:itemID="{1C4A55C0-82C9-4A8F-B1E6-560F2CDEA6C5}"/>
+</file>
+
+<file path=customXml/itemProps2.xml><?xml version="1.0" encoding="utf-8"?>
+<ds:datastoreItem xmlns:ds="http://schemas.openxmlformats.org/officeDocument/2006/customXml" ds:itemID="{F9E3B1C0-F692-4109-9024-7822F459CE74}"/>
 </file>